--- a/logo_design_source.pptx
+++ b/logo_design_source.pptx
@@ -6,6 +6,7 @@
   </p:sldMasterIdLst>
   <p:sldIdLst>
     <p:sldId id="256" r:id="rId2"/>
+    <p:sldId id="257" r:id="rId3"/>
   </p:sldIdLst>
   <p:sldSz cx="12192000" cy="6858000"/>
   <p:notesSz cx="6858000" cy="9144000"/>
@@ -243,7 +244,7 @@
           <a:p>
             <a:fld id="{4A66E964-2737-4EE3-ACD8-1F893F84F0B8}" type="datetimeFigureOut">
               <a:rPr lang="en-US" smtClean="0"/>
-              <a:t>8/22/2019</a:t>
+              <a:t>11/7/2020</a:t>
             </a:fld>
             <a:endParaRPr lang="en-US"/>
           </a:p>
@@ -413,7 +414,7 @@
           <a:p>
             <a:fld id="{4A66E964-2737-4EE3-ACD8-1F893F84F0B8}" type="datetimeFigureOut">
               <a:rPr lang="en-US" smtClean="0"/>
-              <a:t>8/22/2019</a:t>
+              <a:t>11/7/2020</a:t>
             </a:fld>
             <a:endParaRPr lang="en-US"/>
           </a:p>
@@ -593,7 +594,7 @@
           <a:p>
             <a:fld id="{4A66E964-2737-4EE3-ACD8-1F893F84F0B8}" type="datetimeFigureOut">
               <a:rPr lang="en-US" smtClean="0"/>
-              <a:t>8/22/2019</a:t>
+              <a:t>11/7/2020</a:t>
             </a:fld>
             <a:endParaRPr lang="en-US"/>
           </a:p>
@@ -763,7 +764,7 @@
           <a:p>
             <a:fld id="{4A66E964-2737-4EE3-ACD8-1F893F84F0B8}" type="datetimeFigureOut">
               <a:rPr lang="en-US" smtClean="0"/>
-              <a:t>8/22/2019</a:t>
+              <a:t>11/7/2020</a:t>
             </a:fld>
             <a:endParaRPr lang="en-US"/>
           </a:p>
@@ -1009,7 +1010,7 @@
           <a:p>
             <a:fld id="{4A66E964-2737-4EE3-ACD8-1F893F84F0B8}" type="datetimeFigureOut">
               <a:rPr lang="en-US" smtClean="0"/>
-              <a:t>8/22/2019</a:t>
+              <a:t>11/7/2020</a:t>
             </a:fld>
             <a:endParaRPr lang="en-US"/>
           </a:p>
@@ -1241,7 +1242,7 @@
           <a:p>
             <a:fld id="{4A66E964-2737-4EE3-ACD8-1F893F84F0B8}" type="datetimeFigureOut">
               <a:rPr lang="en-US" smtClean="0"/>
-              <a:t>8/22/2019</a:t>
+              <a:t>11/7/2020</a:t>
             </a:fld>
             <a:endParaRPr lang="en-US"/>
           </a:p>
@@ -1608,7 +1609,7 @@
           <a:p>
             <a:fld id="{4A66E964-2737-4EE3-ACD8-1F893F84F0B8}" type="datetimeFigureOut">
               <a:rPr lang="en-US" smtClean="0"/>
-              <a:t>8/22/2019</a:t>
+              <a:t>11/7/2020</a:t>
             </a:fld>
             <a:endParaRPr lang="en-US"/>
           </a:p>
@@ -1726,7 +1727,7 @@
           <a:p>
             <a:fld id="{4A66E964-2737-4EE3-ACD8-1F893F84F0B8}" type="datetimeFigureOut">
               <a:rPr lang="en-US" smtClean="0"/>
-              <a:t>8/22/2019</a:t>
+              <a:t>11/7/2020</a:t>
             </a:fld>
             <a:endParaRPr lang="en-US"/>
           </a:p>
@@ -1821,7 +1822,7 @@
           <a:p>
             <a:fld id="{4A66E964-2737-4EE3-ACD8-1F893F84F0B8}" type="datetimeFigureOut">
               <a:rPr lang="en-US" smtClean="0"/>
-              <a:t>8/22/2019</a:t>
+              <a:t>11/7/2020</a:t>
             </a:fld>
             <a:endParaRPr lang="en-US"/>
           </a:p>
@@ -2098,7 +2099,7 @@
           <a:p>
             <a:fld id="{4A66E964-2737-4EE3-ACD8-1F893F84F0B8}" type="datetimeFigureOut">
               <a:rPr lang="en-US" smtClean="0"/>
-              <a:t>8/22/2019</a:t>
+              <a:t>11/7/2020</a:t>
             </a:fld>
             <a:endParaRPr lang="en-US"/>
           </a:p>
@@ -2351,7 +2352,7 @@
           <a:p>
             <a:fld id="{4A66E964-2737-4EE3-ACD8-1F893F84F0B8}" type="datetimeFigureOut">
               <a:rPr lang="en-US" smtClean="0"/>
-              <a:t>8/22/2019</a:t>
+              <a:t>11/7/2020</a:t>
             </a:fld>
             <a:endParaRPr lang="en-US"/>
           </a:p>
@@ -2564,7 +2565,7 @@
           <a:p>
             <a:fld id="{4A66E964-2737-4EE3-ACD8-1F893F84F0B8}" type="datetimeFigureOut">
               <a:rPr lang="en-US" smtClean="0"/>
-              <a:t>8/22/2019</a:t>
+              <a:t>11/7/2020</a:t>
             </a:fld>
             <a:endParaRPr lang="en-US"/>
           </a:p>
@@ -2969,111 +2970,1124 @@
           <a:chExt cx="0" cy="0"/>
         </a:xfrm>
       </p:grpSpPr>
-      <p:sp>
-        <p:nvSpPr>
-          <p:cNvPr id="4" name="TextBox 3"/>
-          <p:cNvSpPr txBox="1"/>
+      <p:grpSp>
+        <p:nvGrpSpPr>
+          <p:cNvPr id="2" name="Group 1"/>
+          <p:cNvGrpSpPr/>
           <p:nvPr/>
-        </p:nvSpPr>
-        <p:spPr>
+        </p:nvGrpSpPr>
+        <p:grpSpPr>
           <a:xfrm>
-            <a:off x="5311724" y="2731202"/>
-            <a:ext cx="3212418" cy="830997"/>
+            <a:off x="4543312" y="1864758"/>
+            <a:ext cx="3849757" cy="738664"/>
+            <a:chOff x="4561242" y="2629747"/>
+            <a:chExt cx="3849757" cy="738664"/>
           </a:xfrm>
-          <a:prstGeom prst="rect">
-            <a:avLst/>
-          </a:prstGeom>
-          <a:noFill/>
-          <a:ln>
+        </p:grpSpPr>
+        <p:sp>
+          <p:nvSpPr>
+            <p:cNvPr id="4" name="TextBox 3"/>
+            <p:cNvSpPr txBox="1"/>
+            <p:nvPr/>
+          </p:nvSpPr>
+          <p:spPr>
+            <a:xfrm>
+              <a:off x="5383247" y="2629747"/>
+              <a:ext cx="3027752" cy="738664"/>
+            </a:xfrm>
+            <a:prstGeom prst="rect">
+              <a:avLst/>
+            </a:prstGeom>
             <a:noFill/>
-          </a:ln>
-        </p:spPr>
-        <p:txBody>
-          <a:bodyPr wrap="none" rtlCol="0">
-            <a:spAutoFit/>
-          </a:bodyPr>
-          <a:lstStyle/>
-          <a:p>
-            <a:r>
-              <a:rPr lang="en-US" sz="4800" b="1" dirty="0" smtClean="0">
+            <a:ln>
+              <a:noFill/>
+            </a:ln>
+          </p:spPr>
+          <p:txBody>
+            <a:bodyPr wrap="none" lIns="0" tIns="0" rIns="0" bIns="0" rtlCol="0">
+              <a:spAutoFit/>
+            </a:bodyPr>
+            <a:lstStyle/>
+            <a:p>
+              <a:r>
+                <a:rPr lang="en-US" sz="4800" b="1" dirty="0" smtClean="0">
+                  <a:solidFill>
+                    <a:srgbClr val="4A4A4A"/>
+                  </a:solidFill>
+                  <a:latin typeface="Segoe UI" panose="020B0502040204020203" pitchFamily="34" charset="0"/>
+                  <a:cs typeface="Segoe UI" panose="020B0502040204020203" pitchFamily="34" charset="0"/>
+                </a:rPr>
+                <a:t>techshwift</a:t>
+              </a:r>
+              <a:endParaRPr lang="en-US" sz="4800" b="1" dirty="0">
                 <a:solidFill>
                   <a:srgbClr val="4A4A4A"/>
                 </a:solidFill>
                 <a:latin typeface="Segoe UI" panose="020B0502040204020203" pitchFamily="34" charset="0"/>
                 <a:cs typeface="Segoe UI" panose="020B0502040204020203" pitchFamily="34" charset="0"/>
-              </a:rPr>
-              <a:t>techshwift</a:t>
-            </a:r>
-            <a:endParaRPr lang="en-US" sz="4800" b="1" dirty="0">
+              </a:endParaRPr>
+            </a:p>
+          </p:txBody>
+        </p:sp>
+        <p:sp>
+          <p:nvSpPr>
+            <p:cNvPr id="5" name="Rectangle 4"/>
+            <p:cNvSpPr/>
+            <p:nvPr/>
+          </p:nvSpPr>
+          <p:spPr>
+            <a:xfrm>
+              <a:off x="4561242" y="2653712"/>
+              <a:ext cx="688490" cy="673827"/>
+            </a:xfrm>
+            <a:prstGeom prst="rect">
+              <a:avLst/>
+            </a:prstGeom>
+            <a:noFill/>
+            <a:ln w="76200">
               <a:solidFill>
                 <a:srgbClr val="4A4A4A"/>
               </a:solidFill>
-              <a:latin typeface="Segoe UI" panose="020B0502040204020203" pitchFamily="34" charset="0"/>
-              <a:cs typeface="Segoe UI" panose="020B0502040204020203" pitchFamily="34" charset="0"/>
-            </a:endParaRPr>
-          </a:p>
-        </p:txBody>
-      </p:sp>
-      <p:sp>
-        <p:nvSpPr>
-          <p:cNvPr id="5" name="Rectangle 4"/>
-          <p:cNvSpPr/>
-          <p:nvPr/>
-        </p:nvSpPr>
-        <p:spPr>
-          <a:xfrm>
-            <a:off x="4561242" y="2653712"/>
-            <a:ext cx="688490" cy="673827"/>
-          </a:xfrm>
-          <a:prstGeom prst="rect">
-            <a:avLst/>
-          </a:prstGeom>
-          <a:noFill/>
-          <a:ln w="76200">
+            </a:ln>
+          </p:spPr>
+          <p:style>
+            <a:lnRef idx="2">
+              <a:schemeClr val="accent1">
+                <a:shade val="50000"/>
+              </a:schemeClr>
+            </a:lnRef>
+            <a:fillRef idx="1">
+              <a:schemeClr val="accent1"/>
+            </a:fillRef>
+            <a:effectRef idx="0">
+              <a:schemeClr val="accent1"/>
+            </a:effectRef>
+            <a:fontRef idx="minor">
+              <a:schemeClr val="lt1"/>
+            </a:fontRef>
+          </p:style>
+          <p:txBody>
+            <a:bodyPr lIns="0" tIns="0" rIns="0" bIns="0" rtlCol="0" anchor="ctr"/>
+            <a:lstStyle/>
+            <a:p>
+              <a:pPr algn="ctr"/>
+              <a:endParaRPr lang="en-US">
+                <a:solidFill>
+                  <a:srgbClr val="4A4A4A"/>
+                </a:solidFill>
+              </a:endParaRPr>
+            </a:p>
+          </p:txBody>
+        </p:sp>
+        <p:sp>
+          <p:nvSpPr>
+            <p:cNvPr id="8" name="Rectangle 7"/>
+            <p:cNvSpPr/>
+            <p:nvPr/>
+          </p:nvSpPr>
+          <p:spPr>
+            <a:xfrm>
+              <a:off x="4561242" y="3159097"/>
+              <a:ext cx="168442" cy="168442"/>
+            </a:xfrm>
+            <a:prstGeom prst="rect">
+              <a:avLst/>
+            </a:prstGeom>
+            <a:noFill/>
+            <a:ln w="76200">
+              <a:solidFill>
+                <a:srgbClr val="4A4A4A"/>
+              </a:solidFill>
+            </a:ln>
+          </p:spPr>
+          <p:style>
+            <a:lnRef idx="2">
+              <a:schemeClr val="accent1">
+                <a:shade val="50000"/>
+              </a:schemeClr>
+            </a:lnRef>
+            <a:fillRef idx="1">
+              <a:schemeClr val="accent1"/>
+            </a:fillRef>
+            <a:effectRef idx="0">
+              <a:schemeClr val="accent1"/>
+            </a:effectRef>
+            <a:fontRef idx="minor">
+              <a:schemeClr val="lt1"/>
+            </a:fontRef>
+          </p:style>
+          <p:txBody>
+            <a:bodyPr lIns="0" tIns="0" rIns="0" bIns="0" rtlCol="0" anchor="ctr"/>
+            <a:lstStyle/>
+            <a:p>
+              <a:pPr algn="ctr"/>
+              <a:endParaRPr lang="en-US">
+                <a:solidFill>
+                  <a:srgbClr val="4A4A4A"/>
+                </a:solidFill>
+              </a:endParaRPr>
+            </a:p>
+          </p:txBody>
+        </p:sp>
+        <p:cxnSp>
+          <p:nvCxnSpPr>
+            <p:cNvPr id="15" name="Straight Connector 14"/>
+            <p:cNvCxnSpPr/>
+            <p:nvPr/>
+          </p:nvCxnSpPr>
+          <p:spPr>
+            <a:xfrm flipV="1">
+              <a:off x="4804492" y="2742980"/>
+              <a:ext cx="324507" cy="357873"/>
+            </a:xfrm>
+            <a:prstGeom prst="line">
+              <a:avLst/>
+            </a:prstGeom>
             <a:solidFill>
               <a:srgbClr val="4A4A4A"/>
             </a:solidFill>
-          </a:ln>
-        </p:spPr>
-        <p:style>
-          <a:lnRef idx="2">
-            <a:schemeClr val="accent1">
-              <a:shade val="50000"/>
-            </a:schemeClr>
-          </a:lnRef>
-          <a:fillRef idx="1">
-            <a:schemeClr val="accent1"/>
-          </a:fillRef>
-          <a:effectRef idx="0">
-            <a:schemeClr val="accent1"/>
-          </a:effectRef>
-          <a:fontRef idx="minor">
-            <a:schemeClr val="lt1"/>
-          </a:fontRef>
-        </p:style>
-        <p:txBody>
-          <a:bodyPr rtlCol="0" anchor="ctr"/>
-          <a:lstStyle/>
-          <a:p>
-            <a:pPr algn="ctr"/>
-            <a:endParaRPr lang="en-US">
+            <a:ln>
               <a:solidFill>
                 <a:srgbClr val="4A4A4A"/>
               </a:solidFill>
-            </a:endParaRPr>
-          </a:p>
-        </p:txBody>
-      </p:sp>
-      <p:sp>
-        <p:nvSpPr>
-          <p:cNvPr id="7" name="Rectangle 6"/>
+            </a:ln>
+          </p:spPr>
+          <p:style>
+            <a:lnRef idx="2">
+              <a:schemeClr val="accent1">
+                <a:shade val="50000"/>
+              </a:schemeClr>
+            </a:lnRef>
+            <a:fillRef idx="1">
+              <a:schemeClr val="accent1"/>
+            </a:fillRef>
+            <a:effectRef idx="0">
+              <a:schemeClr val="accent1"/>
+            </a:effectRef>
+            <a:fontRef idx="minor">
+              <a:schemeClr val="lt1"/>
+            </a:fontRef>
+          </p:style>
+        </p:cxnSp>
+        <p:cxnSp>
+          <p:nvCxnSpPr>
+            <p:cNvPr id="19" name="Straight Connector 18"/>
+            <p:cNvCxnSpPr/>
+            <p:nvPr/>
+          </p:nvCxnSpPr>
+          <p:spPr>
+            <a:xfrm>
+              <a:off x="4834927" y="2766193"/>
+              <a:ext cx="313454" cy="0"/>
+            </a:xfrm>
+            <a:prstGeom prst="line">
+              <a:avLst/>
+            </a:prstGeom>
+            <a:solidFill>
+              <a:srgbClr val="4A4A4A"/>
+            </a:solidFill>
+            <a:ln>
+              <a:solidFill>
+                <a:srgbClr val="4A4A4A"/>
+              </a:solidFill>
+            </a:ln>
+          </p:spPr>
+          <p:style>
+            <a:lnRef idx="2">
+              <a:schemeClr val="accent1">
+                <a:shade val="50000"/>
+              </a:schemeClr>
+            </a:lnRef>
+            <a:fillRef idx="1">
+              <a:schemeClr val="accent1"/>
+            </a:fillRef>
+            <a:effectRef idx="0">
+              <a:schemeClr val="accent1"/>
+            </a:effectRef>
+            <a:fontRef idx="minor">
+              <a:schemeClr val="lt1"/>
+            </a:fontRef>
+          </p:style>
+        </p:cxnSp>
+        <p:cxnSp>
+          <p:nvCxnSpPr>
+            <p:cNvPr id="33" name="Straight Connector 32"/>
+            <p:cNvCxnSpPr/>
+            <p:nvPr/>
+          </p:nvCxnSpPr>
+          <p:spPr>
+            <a:xfrm flipH="1" flipV="1">
+              <a:off x="5110040" y="2721836"/>
+              <a:ext cx="2334" cy="312833"/>
+            </a:xfrm>
+            <a:prstGeom prst="line">
+              <a:avLst/>
+            </a:prstGeom>
+            <a:solidFill>
+              <a:srgbClr val="4A4A4A"/>
+            </a:solidFill>
+            <a:ln>
+              <a:solidFill>
+                <a:srgbClr val="4A4A4A"/>
+              </a:solidFill>
+            </a:ln>
+          </p:spPr>
+          <p:style>
+            <a:lnRef idx="2">
+              <a:schemeClr val="accent1">
+                <a:shade val="50000"/>
+              </a:schemeClr>
+            </a:lnRef>
+            <a:fillRef idx="1">
+              <a:schemeClr val="accent1"/>
+            </a:fillRef>
+            <a:effectRef idx="0">
+              <a:schemeClr val="accent1"/>
+            </a:effectRef>
+            <a:fontRef idx="minor">
+              <a:schemeClr val="lt1"/>
+            </a:fontRef>
+          </p:style>
+        </p:cxnSp>
+        <p:sp>
+          <p:nvSpPr>
+            <p:cNvPr id="36" name="Oval 35"/>
+            <p:cNvSpPr/>
+            <p:nvPr/>
+          </p:nvSpPr>
+          <p:spPr>
+            <a:xfrm>
+              <a:off x="4780429" y="3077993"/>
+              <a:ext cx="48126" cy="45719"/>
+            </a:xfrm>
+            <a:prstGeom prst="ellipse">
+              <a:avLst/>
+            </a:prstGeom>
+            <a:solidFill>
+              <a:srgbClr val="4A4A4A"/>
+            </a:solidFill>
+            <a:ln>
+              <a:solidFill>
+                <a:srgbClr val="4A4A4A"/>
+              </a:solidFill>
+            </a:ln>
+          </p:spPr>
+          <p:style>
+            <a:lnRef idx="2">
+              <a:schemeClr val="accent1">
+                <a:shade val="50000"/>
+              </a:schemeClr>
+            </a:lnRef>
+            <a:fillRef idx="1">
+              <a:schemeClr val="accent1"/>
+            </a:fillRef>
+            <a:effectRef idx="0">
+              <a:schemeClr val="accent1"/>
+            </a:effectRef>
+            <a:fontRef idx="minor">
+              <a:schemeClr val="lt1"/>
+            </a:fontRef>
+          </p:style>
+          <p:txBody>
+            <a:bodyPr lIns="0" tIns="0" rIns="0" bIns="0" rtlCol="0" anchor="ctr"/>
+            <a:lstStyle/>
+            <a:p>
+              <a:pPr algn="ctr"/>
+              <a:endParaRPr lang="en-US">
+                <a:solidFill>
+                  <a:srgbClr val="4A4A4A"/>
+                </a:solidFill>
+              </a:endParaRPr>
+            </a:p>
+          </p:txBody>
+        </p:sp>
+        <p:sp>
+          <p:nvSpPr>
+            <p:cNvPr id="37" name="Oval 36"/>
+            <p:cNvSpPr/>
+            <p:nvPr/>
+          </p:nvSpPr>
+          <p:spPr>
+            <a:xfrm>
+              <a:off x="5053716" y="2718974"/>
+              <a:ext cx="106279" cy="105097"/>
+            </a:xfrm>
+            <a:prstGeom prst="ellipse">
+              <a:avLst/>
+            </a:prstGeom>
+            <a:solidFill>
+              <a:srgbClr val="4A4A4A"/>
+            </a:solidFill>
+            <a:ln>
+              <a:solidFill>
+                <a:srgbClr val="4A4A4A"/>
+              </a:solidFill>
+            </a:ln>
+          </p:spPr>
+          <p:style>
+            <a:lnRef idx="2">
+              <a:schemeClr val="accent1">
+                <a:shade val="50000"/>
+              </a:schemeClr>
+            </a:lnRef>
+            <a:fillRef idx="1">
+              <a:schemeClr val="accent1"/>
+            </a:fillRef>
+            <a:effectRef idx="0">
+              <a:schemeClr val="accent1"/>
+            </a:effectRef>
+            <a:fontRef idx="minor">
+              <a:schemeClr val="lt1"/>
+            </a:fontRef>
+          </p:style>
+          <p:txBody>
+            <a:bodyPr lIns="0" tIns="0" rIns="0" bIns="0" rtlCol="0" anchor="ctr"/>
+            <a:lstStyle/>
+            <a:p>
+              <a:pPr algn="ctr"/>
+              <a:endParaRPr lang="en-US">
+                <a:solidFill>
+                  <a:srgbClr val="4A4A4A"/>
+                </a:solidFill>
+              </a:endParaRPr>
+            </a:p>
+          </p:txBody>
+        </p:sp>
+        <p:sp>
+          <p:nvSpPr>
+            <p:cNvPr id="38" name="Oval 37"/>
+            <p:cNvSpPr/>
+            <p:nvPr/>
+          </p:nvSpPr>
+          <p:spPr>
+            <a:xfrm>
+              <a:off x="5090357" y="2998576"/>
+              <a:ext cx="48126" cy="45719"/>
+            </a:xfrm>
+            <a:prstGeom prst="ellipse">
+              <a:avLst/>
+            </a:prstGeom>
+            <a:solidFill>
+              <a:srgbClr val="4A4A4A"/>
+            </a:solidFill>
+            <a:ln>
+              <a:solidFill>
+                <a:srgbClr val="4A4A4A"/>
+              </a:solidFill>
+            </a:ln>
+          </p:spPr>
+          <p:style>
+            <a:lnRef idx="2">
+              <a:schemeClr val="accent1">
+                <a:shade val="50000"/>
+              </a:schemeClr>
+            </a:lnRef>
+            <a:fillRef idx="1">
+              <a:schemeClr val="accent1"/>
+            </a:fillRef>
+            <a:effectRef idx="0">
+              <a:schemeClr val="accent1"/>
+            </a:effectRef>
+            <a:fontRef idx="minor">
+              <a:schemeClr val="lt1"/>
+            </a:fontRef>
+          </p:style>
+          <p:txBody>
+            <a:bodyPr lIns="0" tIns="0" rIns="0" bIns="0" rtlCol="0" anchor="ctr"/>
+            <a:lstStyle/>
+            <a:p>
+              <a:pPr algn="ctr"/>
+              <a:endParaRPr lang="en-US">
+                <a:solidFill>
+                  <a:srgbClr val="4A4A4A"/>
+                </a:solidFill>
+              </a:endParaRPr>
+            </a:p>
+          </p:txBody>
+        </p:sp>
+        <p:sp>
+          <p:nvSpPr>
+            <p:cNvPr id="39" name="Oval 38"/>
+            <p:cNvSpPr/>
+            <p:nvPr/>
+          </p:nvSpPr>
+          <p:spPr>
+            <a:xfrm>
+              <a:off x="4830963" y="2742835"/>
+              <a:ext cx="48126" cy="45719"/>
+            </a:xfrm>
+            <a:prstGeom prst="ellipse">
+              <a:avLst/>
+            </a:prstGeom>
+            <a:solidFill>
+              <a:srgbClr val="4A4A4A"/>
+            </a:solidFill>
+            <a:ln>
+              <a:solidFill>
+                <a:srgbClr val="4A4A4A"/>
+              </a:solidFill>
+            </a:ln>
+          </p:spPr>
+          <p:style>
+            <a:lnRef idx="2">
+              <a:schemeClr val="accent1">
+                <a:shade val="50000"/>
+              </a:schemeClr>
+            </a:lnRef>
+            <a:fillRef idx="1">
+              <a:schemeClr val="accent1"/>
+            </a:fillRef>
+            <a:effectRef idx="0">
+              <a:schemeClr val="accent1"/>
+            </a:effectRef>
+            <a:fontRef idx="minor">
+              <a:schemeClr val="lt1"/>
+            </a:fontRef>
+          </p:style>
+          <p:txBody>
+            <a:bodyPr lIns="0" tIns="0" rIns="0" bIns="0" rtlCol="0" anchor="ctr"/>
+            <a:lstStyle/>
+            <a:p>
+              <a:pPr algn="ctr"/>
+              <a:endParaRPr lang="en-US">
+                <a:solidFill>
+                  <a:srgbClr val="4A4A4A"/>
+                </a:solidFill>
+              </a:endParaRPr>
+            </a:p>
+          </p:txBody>
+        </p:sp>
+        <p:sp>
+          <p:nvSpPr>
+            <p:cNvPr id="40" name="Oval 39"/>
+            <p:cNvSpPr/>
+            <p:nvPr/>
+          </p:nvSpPr>
+          <p:spPr>
+            <a:xfrm>
+              <a:off x="4871161" y="2975716"/>
+              <a:ext cx="48126" cy="45719"/>
+            </a:xfrm>
+            <a:prstGeom prst="ellipse">
+              <a:avLst/>
+            </a:prstGeom>
+            <a:solidFill>
+              <a:srgbClr val="4A4A4A"/>
+            </a:solidFill>
+            <a:ln>
+              <a:solidFill>
+                <a:srgbClr val="4A4A4A"/>
+              </a:solidFill>
+            </a:ln>
+          </p:spPr>
+          <p:style>
+            <a:lnRef idx="2">
+              <a:schemeClr val="accent1">
+                <a:shade val="50000"/>
+              </a:schemeClr>
+            </a:lnRef>
+            <a:fillRef idx="1">
+              <a:schemeClr val="accent1"/>
+            </a:fillRef>
+            <a:effectRef idx="0">
+              <a:schemeClr val="accent1"/>
+            </a:effectRef>
+            <a:fontRef idx="minor">
+              <a:schemeClr val="lt1"/>
+            </a:fontRef>
+          </p:style>
+          <p:txBody>
+            <a:bodyPr lIns="0" tIns="0" rIns="0" bIns="0" rtlCol="0" anchor="ctr"/>
+            <a:lstStyle/>
+            <a:p>
+              <a:pPr algn="ctr"/>
+              <a:endParaRPr lang="en-US">
+                <a:solidFill>
+                  <a:srgbClr val="4A4A4A"/>
+                </a:solidFill>
+              </a:endParaRPr>
+            </a:p>
+          </p:txBody>
+        </p:sp>
+        <p:sp>
+          <p:nvSpPr>
+            <p:cNvPr id="41" name="Oval 40"/>
+            <p:cNvSpPr/>
+            <p:nvPr/>
+          </p:nvSpPr>
+          <p:spPr>
+            <a:xfrm>
+              <a:off x="4961475" y="2875344"/>
+              <a:ext cx="48126" cy="45719"/>
+            </a:xfrm>
+            <a:prstGeom prst="ellipse">
+              <a:avLst/>
+            </a:prstGeom>
+            <a:solidFill>
+              <a:srgbClr val="4A4A4A"/>
+            </a:solidFill>
+            <a:ln>
+              <a:solidFill>
+                <a:srgbClr val="4A4A4A"/>
+              </a:solidFill>
+            </a:ln>
+          </p:spPr>
+          <p:style>
+            <a:lnRef idx="2">
+              <a:schemeClr val="accent1">
+                <a:shade val="50000"/>
+              </a:schemeClr>
+            </a:lnRef>
+            <a:fillRef idx="1">
+              <a:schemeClr val="accent1"/>
+            </a:fillRef>
+            <a:effectRef idx="0">
+              <a:schemeClr val="accent1"/>
+            </a:effectRef>
+            <a:fontRef idx="minor">
+              <a:schemeClr val="lt1"/>
+            </a:fontRef>
+          </p:style>
+          <p:txBody>
+            <a:bodyPr lIns="0" tIns="0" rIns="0" bIns="0" rtlCol="0" anchor="ctr"/>
+            <a:lstStyle/>
+            <a:p>
+              <a:pPr algn="ctr"/>
+              <a:endParaRPr lang="en-US">
+                <a:solidFill>
+                  <a:srgbClr val="4A4A4A"/>
+                </a:solidFill>
+              </a:endParaRPr>
+            </a:p>
+          </p:txBody>
+        </p:sp>
+        <p:sp>
+          <p:nvSpPr>
+            <p:cNvPr id="42" name="Oval 41"/>
+            <p:cNvSpPr/>
+            <p:nvPr/>
+          </p:nvSpPr>
+          <p:spPr>
+            <a:xfrm>
+              <a:off x="5084910" y="2882168"/>
+              <a:ext cx="48126" cy="45719"/>
+            </a:xfrm>
+            <a:prstGeom prst="ellipse">
+              <a:avLst/>
+            </a:prstGeom>
+            <a:solidFill>
+              <a:srgbClr val="4A4A4A"/>
+            </a:solidFill>
+            <a:ln>
+              <a:solidFill>
+                <a:srgbClr val="4A4A4A"/>
+              </a:solidFill>
+            </a:ln>
+          </p:spPr>
+          <p:style>
+            <a:lnRef idx="2">
+              <a:schemeClr val="accent1">
+                <a:shade val="50000"/>
+              </a:schemeClr>
+            </a:lnRef>
+            <a:fillRef idx="1">
+              <a:schemeClr val="accent1"/>
+            </a:fillRef>
+            <a:effectRef idx="0">
+              <a:schemeClr val="accent1"/>
+            </a:effectRef>
+            <a:fontRef idx="minor">
+              <a:schemeClr val="lt1"/>
+            </a:fontRef>
+          </p:style>
+          <p:txBody>
+            <a:bodyPr lIns="0" tIns="0" rIns="0" bIns="0" rtlCol="0" anchor="ctr"/>
+            <a:lstStyle/>
+            <a:p>
+              <a:pPr algn="ctr"/>
+              <a:endParaRPr lang="en-US">
+                <a:solidFill>
+                  <a:srgbClr val="4A4A4A"/>
+                </a:solidFill>
+              </a:endParaRPr>
+            </a:p>
+          </p:txBody>
+        </p:sp>
+        <p:sp>
+          <p:nvSpPr>
+            <p:cNvPr id="44" name="Oval 43"/>
+            <p:cNvSpPr/>
+            <p:nvPr/>
+          </p:nvSpPr>
+          <p:spPr>
+            <a:xfrm>
+              <a:off x="4951559" y="2744162"/>
+              <a:ext cx="48126" cy="45719"/>
+            </a:xfrm>
+            <a:prstGeom prst="ellipse">
+              <a:avLst/>
+            </a:prstGeom>
+            <a:solidFill>
+              <a:srgbClr val="4A4A4A"/>
+            </a:solidFill>
+            <a:ln>
+              <a:solidFill>
+                <a:srgbClr val="4A4A4A"/>
+              </a:solidFill>
+            </a:ln>
+          </p:spPr>
+          <p:style>
+            <a:lnRef idx="2">
+              <a:schemeClr val="accent1">
+                <a:shade val="50000"/>
+              </a:schemeClr>
+            </a:lnRef>
+            <a:fillRef idx="1">
+              <a:schemeClr val="accent1"/>
+            </a:fillRef>
+            <a:effectRef idx="0">
+              <a:schemeClr val="accent1"/>
+            </a:effectRef>
+            <a:fontRef idx="minor">
+              <a:schemeClr val="lt1"/>
+            </a:fontRef>
+          </p:style>
+          <p:txBody>
+            <a:bodyPr lIns="0" tIns="0" rIns="0" bIns="0" rtlCol="0" anchor="ctr"/>
+            <a:lstStyle/>
+            <a:p>
+              <a:pPr algn="ctr"/>
+              <a:endParaRPr lang="en-US">
+                <a:solidFill>
+                  <a:srgbClr val="4A4A4A"/>
+                </a:solidFill>
+              </a:endParaRPr>
+            </a:p>
+          </p:txBody>
+        </p:sp>
+      </p:grpSp>
+      <p:grpSp>
+        <p:nvGrpSpPr>
+          <p:cNvPr id="9" name="Group 8"/>
+          <p:cNvGrpSpPr/>
+          <p:nvPr/>
+        </p:nvGrpSpPr>
+        <p:grpSpPr>
+          <a:xfrm>
+            <a:off x="4555264" y="3669632"/>
+            <a:ext cx="3995610" cy="854371"/>
+            <a:chOff x="4520860" y="4086272"/>
+            <a:chExt cx="3995610" cy="854371"/>
+          </a:xfrm>
+        </p:grpSpPr>
+        <p:sp>
+          <p:nvSpPr>
+            <p:cNvPr id="18" name="TextBox 17"/>
+            <p:cNvSpPr txBox="1"/>
+            <p:nvPr/>
+          </p:nvSpPr>
+          <p:spPr>
+            <a:xfrm>
+              <a:off x="5363481" y="4173567"/>
+              <a:ext cx="3152989" cy="767076"/>
+            </a:xfrm>
+            <a:prstGeom prst="rect">
+              <a:avLst/>
+            </a:prstGeom>
+            <a:noFill/>
+            <a:ln>
+              <a:noFill/>
+            </a:ln>
+          </p:spPr>
+          <p:txBody>
+            <a:bodyPr wrap="square" lIns="0" tIns="0" rIns="0" bIns="0" rtlCol="0">
+              <a:spAutoFit/>
+            </a:bodyPr>
+            <a:lstStyle/>
+            <a:p>
+              <a:r>
+                <a:rPr lang="en-US" sz="4800" b="1" dirty="0" smtClean="0">
+                  <a:solidFill>
+                    <a:srgbClr val="4A4A4A"/>
+                  </a:solidFill>
+                  <a:latin typeface="Segoe UI" panose="020B0502040204020203" pitchFamily="34" charset="0"/>
+                  <a:cs typeface="Segoe UI" panose="020B0502040204020203" pitchFamily="34" charset="0"/>
+                </a:rPr>
+                <a:t>techshwift</a:t>
+              </a:r>
+              <a:endParaRPr lang="en-US" sz="4800" b="1" dirty="0">
+                <a:solidFill>
+                  <a:srgbClr val="4A4A4A"/>
+                </a:solidFill>
+                <a:latin typeface="Segoe UI" panose="020B0502040204020203" pitchFamily="34" charset="0"/>
+                <a:cs typeface="Segoe UI" panose="020B0502040204020203" pitchFamily="34" charset="0"/>
+              </a:endParaRPr>
+            </a:p>
+          </p:txBody>
+        </p:sp>
+        <p:sp>
+          <p:nvSpPr>
+            <p:cNvPr id="20" name="Rectangle 19"/>
+            <p:cNvSpPr/>
+            <p:nvPr/>
+          </p:nvSpPr>
+          <p:spPr>
+            <a:xfrm>
+              <a:off x="4561242" y="4086272"/>
+              <a:ext cx="688490" cy="673827"/>
+            </a:xfrm>
+            <a:prstGeom prst="rect">
+              <a:avLst/>
+            </a:prstGeom>
+            <a:noFill/>
+            <a:ln w="76200">
+              <a:solidFill>
+                <a:srgbClr val="4A4A4A"/>
+              </a:solidFill>
+            </a:ln>
+          </p:spPr>
+          <p:style>
+            <a:lnRef idx="2">
+              <a:schemeClr val="accent1">
+                <a:shade val="50000"/>
+              </a:schemeClr>
+            </a:lnRef>
+            <a:fillRef idx="1">
+              <a:schemeClr val="accent1"/>
+            </a:fillRef>
+            <a:effectRef idx="0">
+              <a:schemeClr val="accent1"/>
+            </a:effectRef>
+            <a:fontRef idx="minor">
+              <a:schemeClr val="lt1"/>
+            </a:fontRef>
+          </p:style>
+          <p:txBody>
+            <a:bodyPr lIns="0" tIns="0" rIns="0" bIns="0" rtlCol="0" anchor="ctr"/>
+            <a:lstStyle/>
+            <a:p>
+              <a:pPr algn="ctr"/>
+              <a:endParaRPr lang="en-US">
+                <a:solidFill>
+                  <a:srgbClr val="4A4A4A"/>
+                </a:solidFill>
+              </a:endParaRPr>
+            </a:p>
+          </p:txBody>
+        </p:sp>
+        <p:sp>
+          <p:nvSpPr>
+            <p:cNvPr id="21" name="Rectangle 20"/>
+            <p:cNvSpPr/>
+            <p:nvPr/>
+          </p:nvSpPr>
+          <p:spPr>
+            <a:xfrm>
+              <a:off x="4561242" y="4591657"/>
+              <a:ext cx="168442" cy="168442"/>
+            </a:xfrm>
+            <a:prstGeom prst="rect">
+              <a:avLst/>
+            </a:prstGeom>
+            <a:noFill/>
+            <a:ln w="76200">
+              <a:solidFill>
+                <a:srgbClr val="4A4A4A"/>
+              </a:solidFill>
+            </a:ln>
+          </p:spPr>
+          <p:style>
+            <a:lnRef idx="2">
+              <a:schemeClr val="accent1">
+                <a:shade val="50000"/>
+              </a:schemeClr>
+            </a:lnRef>
+            <a:fillRef idx="1">
+              <a:schemeClr val="accent1"/>
+            </a:fillRef>
+            <a:effectRef idx="0">
+              <a:schemeClr val="accent1"/>
+            </a:effectRef>
+            <a:fontRef idx="minor">
+              <a:schemeClr val="lt1"/>
+            </a:fontRef>
+          </p:style>
+          <p:txBody>
+            <a:bodyPr lIns="0" tIns="0" rIns="0" bIns="0" rtlCol="0" anchor="ctr"/>
+            <a:lstStyle/>
+            <a:p>
+              <a:pPr algn="ctr"/>
+              <a:endParaRPr lang="en-US">
+                <a:solidFill>
+                  <a:srgbClr val="4A4A4A"/>
+                </a:solidFill>
+              </a:endParaRPr>
+            </a:p>
+          </p:txBody>
+        </p:sp>
+        <p:sp>
+          <p:nvSpPr>
+            <p:cNvPr id="25" name="Oval 24"/>
+            <p:cNvSpPr/>
+            <p:nvPr/>
+          </p:nvSpPr>
+          <p:spPr>
+            <a:xfrm>
+              <a:off x="4779746" y="4497674"/>
+              <a:ext cx="48126" cy="45719"/>
+            </a:xfrm>
+            <a:prstGeom prst="ellipse">
+              <a:avLst/>
+            </a:prstGeom>
+            <a:solidFill>
+              <a:srgbClr val="4A4A4A"/>
+            </a:solidFill>
+            <a:ln>
+              <a:solidFill>
+                <a:srgbClr val="4A4A4A"/>
+              </a:solidFill>
+            </a:ln>
+          </p:spPr>
+          <p:style>
+            <a:lnRef idx="2">
+              <a:schemeClr val="accent1">
+                <a:shade val="50000"/>
+              </a:schemeClr>
+            </a:lnRef>
+            <a:fillRef idx="1">
+              <a:schemeClr val="accent1"/>
+            </a:fillRef>
+            <a:effectRef idx="0">
+              <a:schemeClr val="accent1"/>
+            </a:effectRef>
+            <a:fontRef idx="minor">
+              <a:schemeClr val="lt1"/>
+            </a:fontRef>
+          </p:style>
+          <p:txBody>
+            <a:bodyPr lIns="0" tIns="0" rIns="0" bIns="0" rtlCol="0" anchor="ctr"/>
+            <a:lstStyle/>
+            <a:p>
+              <a:pPr algn="ctr"/>
+              <a:endParaRPr lang="en-US">
+                <a:solidFill>
+                  <a:srgbClr val="4A4A4A"/>
+                </a:solidFill>
+              </a:endParaRPr>
+            </a:p>
+          </p:txBody>
+        </p:sp>
+        <p:sp>
+          <p:nvSpPr>
+            <p:cNvPr id="29" name="Oval 28"/>
+            <p:cNvSpPr/>
+            <p:nvPr/>
+          </p:nvSpPr>
+          <p:spPr>
+            <a:xfrm>
+              <a:off x="4919820" y="4332197"/>
+              <a:ext cx="85084" cy="80752"/>
+            </a:xfrm>
+            <a:prstGeom prst="ellipse">
+              <a:avLst/>
+            </a:prstGeom>
+            <a:solidFill>
+              <a:srgbClr val="4A4A4A"/>
+            </a:solidFill>
+            <a:ln>
+              <a:solidFill>
+                <a:srgbClr val="4A4A4A"/>
+              </a:solidFill>
+            </a:ln>
+          </p:spPr>
+          <p:style>
+            <a:lnRef idx="2">
+              <a:schemeClr val="accent1">
+                <a:shade val="50000"/>
+              </a:schemeClr>
+            </a:lnRef>
+            <a:fillRef idx="1">
+              <a:schemeClr val="accent1"/>
+            </a:fillRef>
+            <a:effectRef idx="0">
+              <a:schemeClr val="accent1"/>
+            </a:effectRef>
+            <a:fontRef idx="minor">
+              <a:schemeClr val="lt1"/>
+            </a:fontRef>
+          </p:style>
+          <p:txBody>
+            <a:bodyPr lIns="0" tIns="0" rIns="0" bIns="0" rtlCol="0" anchor="ctr"/>
+            <a:lstStyle/>
+            <a:p>
+              <a:pPr algn="ctr"/>
+              <a:endParaRPr lang="en-US">
+                <a:solidFill>
+                  <a:srgbClr val="4A4A4A"/>
+                </a:solidFill>
+              </a:endParaRPr>
+            </a:p>
+          </p:txBody>
+        </p:sp>
+        <p:sp>
+          <p:nvSpPr>
+            <p:cNvPr id="26" name="Oval 25"/>
+            <p:cNvSpPr/>
+            <p:nvPr/>
+          </p:nvSpPr>
+          <p:spPr>
+            <a:xfrm>
+              <a:off x="5076073" y="4155407"/>
+              <a:ext cx="106279" cy="105097"/>
+            </a:xfrm>
+            <a:prstGeom prst="ellipse">
+              <a:avLst/>
+            </a:prstGeom>
+            <a:solidFill>
+              <a:srgbClr val="4A4A4A"/>
+            </a:solidFill>
+            <a:ln>
+              <a:solidFill>
+                <a:srgbClr val="4A4A4A"/>
+              </a:solidFill>
+            </a:ln>
+          </p:spPr>
+          <p:style>
+            <a:lnRef idx="2">
+              <a:schemeClr val="accent1">
+                <a:shade val="50000"/>
+              </a:schemeClr>
+            </a:lnRef>
+            <a:fillRef idx="1">
+              <a:schemeClr val="accent1"/>
+            </a:fillRef>
+            <a:effectRef idx="0">
+              <a:schemeClr val="accent1"/>
+            </a:effectRef>
+            <a:fontRef idx="minor">
+              <a:schemeClr val="lt1"/>
+            </a:fontRef>
+          </p:style>
+          <p:txBody>
+            <a:bodyPr lIns="0" tIns="0" rIns="0" bIns="0" rtlCol="0" anchor="ctr"/>
+            <a:lstStyle/>
+            <a:p>
+              <a:pPr algn="ctr"/>
+              <a:endParaRPr lang="en-US">
+                <a:solidFill>
+                  <a:srgbClr val="4A4A4A"/>
+                </a:solidFill>
+              </a:endParaRPr>
+            </a:p>
+          </p:txBody>
+        </p:sp>
+        <p:sp>
+          <p:nvSpPr>
+            <p:cNvPr id="45" name="Rectangle 44"/>
+            <p:cNvSpPr/>
+            <p:nvPr/>
+          </p:nvSpPr>
+          <p:spPr>
+            <a:xfrm>
+              <a:off x="4779045" y="4718524"/>
+              <a:ext cx="66252" cy="85463"/>
+            </a:xfrm>
+            <a:prstGeom prst="rect">
+              <a:avLst/>
+            </a:prstGeom>
+            <a:solidFill>
+              <a:schemeClr val="bg1"/>
+            </a:solidFill>
+            <a:ln>
+              <a:solidFill>
+                <a:schemeClr val="bg1"/>
+              </a:solidFill>
+            </a:ln>
+          </p:spPr>
+          <p:style>
+            <a:lnRef idx="2">
+              <a:schemeClr val="accent1">
+                <a:shade val="50000"/>
+              </a:schemeClr>
+            </a:lnRef>
+            <a:fillRef idx="1">
+              <a:schemeClr val="accent1"/>
+            </a:fillRef>
+            <a:effectRef idx="0">
+              <a:schemeClr val="accent1"/>
+            </a:effectRef>
+            <a:fontRef idx="minor">
+              <a:schemeClr val="lt1"/>
+            </a:fontRef>
+          </p:style>
+          <p:txBody>
+            <a:bodyPr rtlCol="0" anchor="ctr"/>
+            <a:lstStyle/>
+            <a:p>
+              <a:pPr algn="ctr"/>
+              <a:endParaRPr lang="en-US"/>
+            </a:p>
+          </p:txBody>
+        </p:sp>
+        <p:sp>
+          <p:nvSpPr>
+            <p:cNvPr id="47" name="Rectangle 46"/>
+            <p:cNvSpPr/>
+            <p:nvPr/>
+          </p:nvSpPr>
+          <p:spPr>
+            <a:xfrm rot="5400000">
+              <a:off x="4530466" y="4476674"/>
+              <a:ext cx="66252" cy="85463"/>
+            </a:xfrm>
+            <a:prstGeom prst="rect">
+              <a:avLst/>
+            </a:prstGeom>
+            <a:solidFill>
+              <a:schemeClr val="bg1"/>
+            </a:solidFill>
+            <a:ln>
+              <a:solidFill>
+                <a:schemeClr val="bg1"/>
+              </a:solidFill>
+            </a:ln>
+          </p:spPr>
+          <p:style>
+            <a:lnRef idx="2">
+              <a:schemeClr val="accent1">
+                <a:shade val="50000"/>
+              </a:schemeClr>
+            </a:lnRef>
+            <a:fillRef idx="1">
+              <a:schemeClr val="accent1"/>
+            </a:fillRef>
+            <a:effectRef idx="0">
+              <a:schemeClr val="accent1"/>
+            </a:effectRef>
+            <a:fontRef idx="minor">
+              <a:schemeClr val="lt1"/>
+            </a:fontRef>
+          </p:style>
+          <p:txBody>
+            <a:bodyPr rtlCol="0" anchor="ctr"/>
+            <a:lstStyle/>
+            <a:p>
+              <a:pPr algn="ctr"/>
+              <a:endParaRPr lang="en-US"/>
+            </a:p>
+          </p:txBody>
+        </p:sp>
+      </p:grpSp>
+      <p:sp>
+        <p:nvSpPr>
+          <p:cNvPr id="49" name="Rectangle 48"/>
           <p:cNvSpPr/>
           <p:nvPr/>
         </p:nvSpPr>
         <p:spPr>
-          <a:xfrm>
-            <a:off x="4379493" y="3026721"/>
-            <a:ext cx="477866" cy="486501"/>
+          <a:xfrm rot="5400000">
+            <a:off x="5252040" y="3889490"/>
+            <a:ext cx="66252" cy="85463"/>
           </a:xfrm>
           <a:prstGeom prst="rect">
             <a:avLst/>
@@ -3108,32 +4122,30 @@
           <a:lstStyle/>
           <a:p>
             <a:pPr algn="ctr"/>
-            <a:endParaRPr lang="en-US">
-              <a:solidFill>
-                <a:srgbClr val="4A4A4A"/>
-              </a:solidFill>
-            </a:endParaRPr>
-          </a:p>
-        </p:txBody>
-      </p:sp>
-      <p:sp>
-        <p:nvSpPr>
-          <p:cNvPr id="8" name="Rectangle 7"/>
+            <a:endParaRPr lang="en-US"/>
+          </a:p>
+        </p:txBody>
+      </p:sp>
+      <p:sp>
+        <p:nvSpPr>
+          <p:cNvPr id="50" name="Rectangle 49"/>
           <p:cNvSpPr/>
           <p:nvPr/>
         </p:nvSpPr>
         <p:spPr>
           <a:xfrm>
-            <a:off x="4561242" y="3159097"/>
-            <a:ext cx="168442" cy="168442"/>
+            <a:off x="5002393" y="3625744"/>
+            <a:ext cx="66252" cy="85463"/>
           </a:xfrm>
           <a:prstGeom prst="rect">
             <a:avLst/>
           </a:prstGeom>
-          <a:noFill/>
-          <a:ln w="76200">
+          <a:solidFill>
+            <a:schemeClr val="bg1"/>
+          </a:solidFill>
+          <a:ln>
             <a:solidFill>
-              <a:srgbClr val="4A4A4A"/>
+              <a:schemeClr val="bg1"/>
             </a:solidFill>
           </a:ln>
         </p:spPr>
@@ -3158,535 +4170,34 @@
           <a:lstStyle/>
           <a:p>
             <a:pPr algn="ctr"/>
-            <a:endParaRPr lang="en-US">
-              <a:solidFill>
-                <a:srgbClr val="4A4A4A"/>
-              </a:solidFill>
-            </a:endParaRPr>
-          </a:p>
-        </p:txBody>
-      </p:sp>
-      <p:cxnSp>
-        <p:nvCxnSpPr>
-          <p:cNvPr id="15" name="Straight Connector 14"/>
-          <p:cNvCxnSpPr/>
+            <a:endParaRPr lang="en-US"/>
+          </a:p>
+        </p:txBody>
+      </p:sp>
+      <p:pic>
+        <p:nvPicPr>
+          <p:cNvPr id="14" name="Picture 13"/>
+          <p:cNvPicPr>
+            <a:picLocks noChangeAspect="1"/>
+          </p:cNvPicPr>
           <p:nvPr/>
-        </p:nvCxnSpPr>
+        </p:nvPicPr>
+        <p:blipFill>
+          <a:blip r:embed="rId2"/>
+          <a:stretch>
+            <a:fillRect/>
+          </a:stretch>
+        </p:blipFill>
         <p:spPr>
-          <a:xfrm flipV="1">
-            <a:off x="4804492" y="2742980"/>
-            <a:ext cx="324507" cy="357873"/>
+          <a:xfrm>
+            <a:off x="5120553" y="3762829"/>
+            <a:ext cx="87422" cy="56971"/>
           </a:xfrm>
-          <a:prstGeom prst="line">
+          <a:prstGeom prst="rect">
             <a:avLst/>
           </a:prstGeom>
-          <a:ln w="12700">
-            <a:solidFill>
-              <a:srgbClr val="4A4A4A"/>
-            </a:solidFill>
-          </a:ln>
         </p:spPr>
-        <p:style>
-          <a:lnRef idx="1">
-            <a:schemeClr val="accent1"/>
-          </a:lnRef>
-          <a:fillRef idx="0">
-            <a:schemeClr val="accent1"/>
-          </a:fillRef>
-          <a:effectRef idx="0">
-            <a:schemeClr val="accent1"/>
-          </a:effectRef>
-          <a:fontRef idx="minor">
-            <a:schemeClr val="tx1"/>
-          </a:fontRef>
-        </p:style>
-      </p:cxnSp>
-      <p:cxnSp>
-        <p:nvCxnSpPr>
-          <p:cNvPr id="19" name="Straight Connector 18"/>
-          <p:cNvCxnSpPr/>
-          <p:nvPr/>
-        </p:nvCxnSpPr>
-        <p:spPr>
-          <a:xfrm>
-            <a:off x="4834927" y="2801977"/>
-            <a:ext cx="313454" cy="0"/>
-          </a:xfrm>
-          <a:prstGeom prst="line">
-            <a:avLst/>
-          </a:prstGeom>
-          <a:ln w="12700">
-            <a:solidFill>
-              <a:srgbClr val="4A4A4A"/>
-            </a:solidFill>
-          </a:ln>
-        </p:spPr>
-        <p:style>
-          <a:lnRef idx="1">
-            <a:schemeClr val="accent1"/>
-          </a:lnRef>
-          <a:fillRef idx="0">
-            <a:schemeClr val="accent1"/>
-          </a:fillRef>
-          <a:effectRef idx="0">
-            <a:schemeClr val="accent1"/>
-          </a:effectRef>
-          <a:fontRef idx="minor">
-            <a:schemeClr val="tx1"/>
-          </a:fontRef>
-        </p:style>
-      </p:cxnSp>
-      <p:cxnSp>
-        <p:nvCxnSpPr>
-          <p:cNvPr id="33" name="Straight Connector 32"/>
-          <p:cNvCxnSpPr/>
-          <p:nvPr/>
-        </p:nvCxnSpPr>
-        <p:spPr>
-          <a:xfrm flipH="1" flipV="1">
-            <a:off x="5082208" y="2721836"/>
-            <a:ext cx="2334" cy="312833"/>
-          </a:xfrm>
-          <a:prstGeom prst="line">
-            <a:avLst/>
-          </a:prstGeom>
-          <a:ln w="12700">
-            <a:solidFill>
-              <a:srgbClr val="4A4A4A"/>
-            </a:solidFill>
-          </a:ln>
-        </p:spPr>
-        <p:style>
-          <a:lnRef idx="1">
-            <a:schemeClr val="accent1"/>
-          </a:lnRef>
-          <a:fillRef idx="0">
-            <a:schemeClr val="accent1"/>
-          </a:fillRef>
-          <a:effectRef idx="0">
-            <a:schemeClr val="accent1"/>
-          </a:effectRef>
-          <a:fontRef idx="minor">
-            <a:schemeClr val="tx1"/>
-          </a:fontRef>
-        </p:style>
-      </p:cxnSp>
-      <p:sp>
-        <p:nvSpPr>
-          <p:cNvPr id="36" name="Oval 35"/>
-          <p:cNvSpPr/>
-          <p:nvPr/>
-        </p:nvSpPr>
-        <p:spPr>
-          <a:xfrm>
-            <a:off x="4780429" y="3077993"/>
-            <a:ext cx="48126" cy="45719"/>
-          </a:xfrm>
-          <a:prstGeom prst="ellipse">
-            <a:avLst/>
-          </a:prstGeom>
-          <a:solidFill>
-            <a:schemeClr val="tx1"/>
-          </a:solidFill>
-          <a:ln>
-            <a:solidFill>
-              <a:srgbClr val="4A4A4A"/>
-            </a:solidFill>
-          </a:ln>
-        </p:spPr>
-        <p:style>
-          <a:lnRef idx="2">
-            <a:schemeClr val="accent1">
-              <a:shade val="50000"/>
-            </a:schemeClr>
-          </a:lnRef>
-          <a:fillRef idx="1">
-            <a:schemeClr val="accent1"/>
-          </a:fillRef>
-          <a:effectRef idx="0">
-            <a:schemeClr val="accent1"/>
-          </a:effectRef>
-          <a:fontRef idx="minor">
-            <a:schemeClr val="lt1"/>
-          </a:fontRef>
-        </p:style>
-        <p:txBody>
-          <a:bodyPr rtlCol="0" anchor="ctr"/>
-          <a:lstStyle/>
-          <a:p>
-            <a:pPr algn="ctr"/>
-            <a:endParaRPr lang="en-US">
-              <a:solidFill>
-                <a:srgbClr val="4A4A4A"/>
-              </a:solidFill>
-            </a:endParaRPr>
-          </a:p>
-        </p:txBody>
-      </p:sp>
-      <p:sp>
-        <p:nvSpPr>
-          <p:cNvPr id="37" name="Oval 36"/>
-          <p:cNvSpPr/>
-          <p:nvPr/>
-        </p:nvSpPr>
-        <p:spPr>
-          <a:xfrm>
-            <a:off x="5053716" y="2718974"/>
-            <a:ext cx="106279" cy="105097"/>
-          </a:xfrm>
-          <a:prstGeom prst="ellipse">
-            <a:avLst/>
-          </a:prstGeom>
-          <a:solidFill>
-            <a:schemeClr val="tx1"/>
-          </a:solidFill>
-          <a:ln>
-            <a:solidFill>
-              <a:srgbClr val="4A4A4A"/>
-            </a:solidFill>
-          </a:ln>
-        </p:spPr>
-        <p:style>
-          <a:lnRef idx="2">
-            <a:schemeClr val="accent1">
-              <a:shade val="50000"/>
-            </a:schemeClr>
-          </a:lnRef>
-          <a:fillRef idx="1">
-            <a:schemeClr val="accent1"/>
-          </a:fillRef>
-          <a:effectRef idx="0">
-            <a:schemeClr val="accent1"/>
-          </a:effectRef>
-          <a:fontRef idx="minor">
-            <a:schemeClr val="lt1"/>
-          </a:fontRef>
-        </p:style>
-        <p:txBody>
-          <a:bodyPr rtlCol="0" anchor="ctr"/>
-          <a:lstStyle/>
-          <a:p>
-            <a:pPr algn="ctr"/>
-            <a:endParaRPr lang="en-US">
-              <a:solidFill>
-                <a:srgbClr val="4A4A4A"/>
-              </a:solidFill>
-            </a:endParaRPr>
-          </a:p>
-        </p:txBody>
-      </p:sp>
-      <p:sp>
-        <p:nvSpPr>
-          <p:cNvPr id="38" name="Oval 37"/>
-          <p:cNvSpPr/>
-          <p:nvPr/>
-        </p:nvSpPr>
-        <p:spPr>
-          <a:xfrm>
-            <a:off x="5066501" y="2998576"/>
-            <a:ext cx="48126" cy="45719"/>
-          </a:xfrm>
-          <a:prstGeom prst="ellipse">
-            <a:avLst/>
-          </a:prstGeom>
-          <a:solidFill>
-            <a:schemeClr val="tx1"/>
-          </a:solidFill>
-          <a:ln>
-            <a:solidFill>
-              <a:srgbClr val="4A4A4A"/>
-            </a:solidFill>
-          </a:ln>
-        </p:spPr>
-        <p:style>
-          <a:lnRef idx="2">
-            <a:schemeClr val="accent1">
-              <a:shade val="50000"/>
-            </a:schemeClr>
-          </a:lnRef>
-          <a:fillRef idx="1">
-            <a:schemeClr val="accent1"/>
-          </a:fillRef>
-          <a:effectRef idx="0">
-            <a:schemeClr val="accent1"/>
-          </a:effectRef>
-          <a:fontRef idx="minor">
-            <a:schemeClr val="lt1"/>
-          </a:fontRef>
-        </p:style>
-        <p:txBody>
-          <a:bodyPr rtlCol="0" anchor="ctr"/>
-          <a:lstStyle/>
-          <a:p>
-            <a:pPr algn="ctr"/>
-            <a:endParaRPr lang="en-US">
-              <a:solidFill>
-                <a:srgbClr val="4A4A4A"/>
-              </a:solidFill>
-            </a:endParaRPr>
-          </a:p>
-        </p:txBody>
-      </p:sp>
-      <p:sp>
-        <p:nvSpPr>
-          <p:cNvPr id="39" name="Oval 38"/>
-          <p:cNvSpPr/>
-          <p:nvPr/>
-        </p:nvSpPr>
-        <p:spPr>
-          <a:xfrm>
-            <a:off x="4830963" y="2782595"/>
-            <a:ext cx="48126" cy="45719"/>
-          </a:xfrm>
-          <a:prstGeom prst="ellipse">
-            <a:avLst/>
-          </a:prstGeom>
-          <a:solidFill>
-            <a:schemeClr val="tx1"/>
-          </a:solidFill>
-          <a:ln>
-            <a:solidFill>
-              <a:srgbClr val="4A4A4A"/>
-            </a:solidFill>
-          </a:ln>
-        </p:spPr>
-        <p:style>
-          <a:lnRef idx="2">
-            <a:schemeClr val="accent1">
-              <a:shade val="50000"/>
-            </a:schemeClr>
-          </a:lnRef>
-          <a:fillRef idx="1">
-            <a:schemeClr val="accent1"/>
-          </a:fillRef>
-          <a:effectRef idx="0">
-            <a:schemeClr val="accent1"/>
-          </a:effectRef>
-          <a:fontRef idx="minor">
-            <a:schemeClr val="lt1"/>
-          </a:fontRef>
-        </p:style>
-        <p:txBody>
-          <a:bodyPr rtlCol="0" anchor="ctr"/>
-          <a:lstStyle/>
-          <a:p>
-            <a:pPr algn="ctr"/>
-            <a:endParaRPr lang="en-US">
-              <a:solidFill>
-                <a:srgbClr val="4A4A4A"/>
-              </a:solidFill>
-            </a:endParaRPr>
-          </a:p>
-        </p:txBody>
-      </p:sp>
-      <p:sp>
-        <p:nvSpPr>
-          <p:cNvPr id="40" name="Oval 39"/>
-          <p:cNvSpPr/>
-          <p:nvPr/>
-        </p:nvSpPr>
-        <p:spPr>
-          <a:xfrm>
-            <a:off x="4871161" y="2975716"/>
-            <a:ext cx="48126" cy="45719"/>
-          </a:xfrm>
-          <a:prstGeom prst="ellipse">
-            <a:avLst/>
-          </a:prstGeom>
-          <a:solidFill>
-            <a:schemeClr val="tx1"/>
-          </a:solidFill>
-          <a:ln>
-            <a:solidFill>
-              <a:srgbClr val="4A4A4A"/>
-            </a:solidFill>
-          </a:ln>
-        </p:spPr>
-        <p:style>
-          <a:lnRef idx="2">
-            <a:schemeClr val="accent1">
-              <a:shade val="50000"/>
-            </a:schemeClr>
-          </a:lnRef>
-          <a:fillRef idx="1">
-            <a:schemeClr val="accent1"/>
-          </a:fillRef>
-          <a:effectRef idx="0">
-            <a:schemeClr val="accent1"/>
-          </a:effectRef>
-          <a:fontRef idx="minor">
-            <a:schemeClr val="lt1"/>
-          </a:fontRef>
-        </p:style>
-        <p:txBody>
-          <a:bodyPr rtlCol="0" anchor="ctr"/>
-          <a:lstStyle/>
-          <a:p>
-            <a:pPr algn="ctr"/>
-            <a:endParaRPr lang="en-US">
-              <a:solidFill>
-                <a:srgbClr val="4A4A4A"/>
-              </a:solidFill>
-            </a:endParaRPr>
-          </a:p>
-        </p:txBody>
-      </p:sp>
-      <p:sp>
-        <p:nvSpPr>
-          <p:cNvPr id="41" name="Oval 40"/>
-          <p:cNvSpPr/>
-          <p:nvPr/>
-        </p:nvSpPr>
-        <p:spPr>
-          <a:xfrm>
-            <a:off x="4961475" y="2875344"/>
-            <a:ext cx="48126" cy="45719"/>
-          </a:xfrm>
-          <a:prstGeom prst="ellipse">
-            <a:avLst/>
-          </a:prstGeom>
-          <a:solidFill>
-            <a:schemeClr val="tx1"/>
-          </a:solidFill>
-          <a:ln>
-            <a:solidFill>
-              <a:srgbClr val="4A4A4A"/>
-            </a:solidFill>
-          </a:ln>
-        </p:spPr>
-        <p:style>
-          <a:lnRef idx="2">
-            <a:schemeClr val="accent1">
-              <a:shade val="50000"/>
-            </a:schemeClr>
-          </a:lnRef>
-          <a:fillRef idx="1">
-            <a:schemeClr val="accent1"/>
-          </a:fillRef>
-          <a:effectRef idx="0">
-            <a:schemeClr val="accent1"/>
-          </a:effectRef>
-          <a:fontRef idx="minor">
-            <a:schemeClr val="lt1"/>
-          </a:fontRef>
-        </p:style>
-        <p:txBody>
-          <a:bodyPr rtlCol="0" anchor="ctr"/>
-          <a:lstStyle/>
-          <a:p>
-            <a:pPr algn="ctr"/>
-            <a:endParaRPr lang="en-US">
-              <a:solidFill>
-                <a:srgbClr val="4A4A4A"/>
-              </a:solidFill>
-            </a:endParaRPr>
-          </a:p>
-        </p:txBody>
-      </p:sp>
-      <p:sp>
-        <p:nvSpPr>
-          <p:cNvPr id="42" name="Oval 41"/>
-          <p:cNvSpPr/>
-          <p:nvPr/>
-        </p:nvSpPr>
-        <p:spPr>
-          <a:xfrm>
-            <a:off x="5061054" y="2882168"/>
-            <a:ext cx="48126" cy="45719"/>
-          </a:xfrm>
-          <a:prstGeom prst="ellipse">
-            <a:avLst/>
-          </a:prstGeom>
-          <a:solidFill>
-            <a:schemeClr val="tx1"/>
-          </a:solidFill>
-          <a:ln>
-            <a:solidFill>
-              <a:srgbClr val="4A4A4A"/>
-            </a:solidFill>
-          </a:ln>
-        </p:spPr>
-        <p:style>
-          <a:lnRef idx="2">
-            <a:schemeClr val="accent1">
-              <a:shade val="50000"/>
-            </a:schemeClr>
-          </a:lnRef>
-          <a:fillRef idx="1">
-            <a:schemeClr val="accent1"/>
-          </a:fillRef>
-          <a:effectRef idx="0">
-            <a:schemeClr val="accent1"/>
-          </a:effectRef>
-          <a:fontRef idx="minor">
-            <a:schemeClr val="lt1"/>
-          </a:fontRef>
-        </p:style>
-        <p:txBody>
-          <a:bodyPr rtlCol="0" anchor="ctr"/>
-          <a:lstStyle/>
-          <a:p>
-            <a:pPr algn="ctr"/>
-            <a:endParaRPr lang="en-US">
-              <a:solidFill>
-                <a:srgbClr val="4A4A4A"/>
-              </a:solidFill>
-            </a:endParaRPr>
-          </a:p>
-        </p:txBody>
-      </p:sp>
-      <p:sp>
-        <p:nvSpPr>
-          <p:cNvPr id="44" name="Oval 43"/>
-          <p:cNvSpPr/>
-          <p:nvPr/>
-        </p:nvSpPr>
-        <p:spPr>
-          <a:xfrm>
-            <a:off x="4951559" y="2783922"/>
-            <a:ext cx="48126" cy="45719"/>
-          </a:xfrm>
-          <a:prstGeom prst="ellipse">
-            <a:avLst/>
-          </a:prstGeom>
-          <a:solidFill>
-            <a:schemeClr val="tx1"/>
-          </a:solidFill>
-          <a:ln>
-            <a:solidFill>
-              <a:srgbClr val="4A4A4A"/>
-            </a:solidFill>
-          </a:ln>
-        </p:spPr>
-        <p:style>
-          <a:lnRef idx="2">
-            <a:schemeClr val="accent1">
-              <a:shade val="50000"/>
-            </a:schemeClr>
-          </a:lnRef>
-          <a:fillRef idx="1">
-            <a:schemeClr val="accent1"/>
-          </a:fillRef>
-          <a:effectRef idx="0">
-            <a:schemeClr val="accent1"/>
-          </a:effectRef>
-          <a:fontRef idx="minor">
-            <a:schemeClr val="lt1"/>
-          </a:fontRef>
-        </p:style>
-        <p:txBody>
-          <a:bodyPr rtlCol="0" anchor="ctr"/>
-          <a:lstStyle/>
-          <a:p>
-            <a:pPr algn="ctr"/>
-            <a:endParaRPr lang="en-US">
-              <a:solidFill>
-                <a:srgbClr val="4A4A4A"/>
-              </a:solidFill>
-            </a:endParaRPr>
-          </a:p>
-        </p:txBody>
-      </p:sp>
+      </p:pic>
     </p:spTree>
     <p:extLst>
       <p:ext uri="{BB962C8B-B14F-4D97-AF65-F5344CB8AC3E}">
@@ -3697,6 +4208,136 @@
   <p:clrMapOvr>
     <a:masterClrMapping/>
   </p:clrMapOvr>
+  <p:timing>
+    <p:tnLst>
+      <p:par>
+        <p:cTn id="1" dur="indefinite" restart="never" nodeType="tmRoot"/>
+      </p:par>
+    </p:tnLst>
+  </p:timing>
+</p:sld>
+</file>
+
+<file path=ppt/slides/slide2.xml><?xml version="1.0" encoding="utf-8"?>
+<p:sld xmlns:a="http://schemas.openxmlformats.org/drawingml/2006/main" xmlns:r="http://schemas.openxmlformats.org/officeDocument/2006/relationships" xmlns:p="http://schemas.openxmlformats.org/presentationml/2006/main">
+  <p:cSld>
+    <p:spTree>
+      <p:nvGrpSpPr>
+        <p:cNvPr id="1" name=""/>
+        <p:cNvGrpSpPr/>
+        <p:nvPr/>
+      </p:nvGrpSpPr>
+      <p:grpSpPr>
+        <a:xfrm>
+          <a:off x="0" y="0"/>
+          <a:ext cx="0" cy="0"/>
+          <a:chOff x="0" y="0"/>
+          <a:chExt cx="0" cy="0"/>
+        </a:xfrm>
+      </p:grpSpPr>
+      <p:pic>
+        <p:nvPicPr>
+          <p:cNvPr id="10" name="Picture 9"/>
+          <p:cNvPicPr>
+            <a:picLocks noChangeAspect="1"/>
+          </p:cNvPicPr>
+          <p:nvPr/>
+        </p:nvPicPr>
+        <p:blipFill>
+          <a:blip r:embed="rId2"/>
+          <a:stretch>
+            <a:fillRect/>
+          </a:stretch>
+        </p:blipFill>
+        <p:spPr>
+          <a:xfrm>
+            <a:off x="3508135" y="1116505"/>
+            <a:ext cx="4218798" cy="1286367"/>
+          </a:xfrm>
+          <a:prstGeom prst="rect">
+            <a:avLst/>
+          </a:prstGeom>
+        </p:spPr>
+      </p:pic>
+      <p:pic>
+        <p:nvPicPr>
+          <p:cNvPr id="11" name="Picture 10"/>
+          <p:cNvPicPr>
+            <a:picLocks noChangeAspect="1"/>
+          </p:cNvPicPr>
+          <p:nvPr/>
+        </p:nvPicPr>
+        <p:blipFill rotWithShape="1">
+          <a:blip r:embed="rId2">
+            <a:duotone>
+              <a:schemeClr val="accent5">
+                <a:shade val="45000"/>
+                <a:satMod val="135000"/>
+              </a:schemeClr>
+              <a:prstClr val="white"/>
+            </a:duotone>
+          </a:blip>
+          <a:srcRect r="4971" b="27545"/>
+          <a:stretch/>
+        </p:blipFill>
+        <p:spPr>
+          <a:xfrm>
+            <a:off x="3508135" y="3374151"/>
+            <a:ext cx="4009084" cy="932035"/>
+          </a:xfrm>
+          <a:prstGeom prst="rect">
+            <a:avLst/>
+          </a:prstGeom>
+        </p:spPr>
+      </p:pic>
+      <p:pic>
+        <p:nvPicPr>
+          <p:cNvPr id="12" name="Picture 11"/>
+          <p:cNvPicPr>
+            <a:picLocks noChangeAspect="1"/>
+          </p:cNvPicPr>
+          <p:nvPr/>
+        </p:nvPicPr>
+        <p:blipFill rotWithShape="1">
+          <a:blip r:embed="rId2">
+            <a:duotone>
+              <a:schemeClr val="accent5">
+                <a:shade val="45000"/>
+                <a:satMod val="135000"/>
+              </a:schemeClr>
+              <a:prstClr val="white"/>
+            </a:duotone>
+          </a:blip>
+          <a:srcRect r="80411" b="33331"/>
+          <a:stretch/>
+        </p:blipFill>
+        <p:spPr>
+          <a:xfrm>
+            <a:off x="7998619" y="3374151"/>
+            <a:ext cx="826404" cy="857607"/>
+          </a:xfrm>
+          <a:prstGeom prst="rect">
+            <a:avLst/>
+          </a:prstGeom>
+        </p:spPr>
+      </p:pic>
+    </p:spTree>
+    <p:extLst>
+      <p:ext uri="{BB962C8B-B14F-4D97-AF65-F5344CB8AC3E}">
+        <p14:creationId xmlns:p14="http://schemas.microsoft.com/office/powerpoint/2010/main" val="1045848984"/>
+      </p:ext>
+    </p:extLst>
+  </p:cSld>
+  <p:clrMapOvr>
+    <a:masterClrMapping/>
+  </p:clrMapOvr>
+  <p:timing>
+    <p:tnLst>
+      <p:par>
+        <p:cTn id="1" dur="indefinite" restart="never" nodeType="tmRoot"/>
+      </p:par>
+    </p:tnLst>
+  </p:timing>
 </p:sld>
 </file>
 
